--- a/pitch/1.pptx
+++ b/pitch/1.pptx
@@ -3899,7 +3899,7 @@
                 <a:cs typeface="Agrandir Narrow"/>
                 <a:sym typeface="Agrandir Narrow"/>
               </a:rPr>
-              <a:t>Rendimo chiari </a:t>
+              <a:t>Rendiamo chiari </a:t>
             </a:r>
             <a:r>
               <a:rPr lang="en-US" b="true" sz="3398">
